--- a/Toy-project/스마트메모 시스템 구성도.pptx
+++ b/Toy-project/스마트메모 시스템 구성도.pptx
@@ -9,7 +9,9 @@
     <p:sldId id="258" r:id="rId3"/>
     <p:sldId id="259" r:id="rId4"/>
     <p:sldId id="260" r:id="rId5"/>
-    <p:sldId id="257" r:id="rId6"/>
+    <p:sldId id="261" r:id="rId6"/>
+    <p:sldId id="262" r:id="rId7"/>
+    <p:sldId id="257" r:id="rId8"/>
   </p:sldIdLst>
   <p:sldSz cx="12192000" cy="6858000"/>
   <p:notesSz cx="6858000" cy="9144000"/>
@@ -247,7 +249,7 @@
           <a:p>
             <a:fld id="{B0BB6E3C-9374-46F8-AFE9-ACAD19BD4237}" type="datetimeFigureOut">
               <a:rPr lang="ko-KR" altLang="en-US" smtClean="0"/>
-              <a:t>2024-03-19</a:t>
+              <a:t>2024-03-25</a:t>
             </a:fld>
             <a:endParaRPr lang="ko-KR" altLang="en-US"/>
           </a:p>
@@ -417,7 +419,7 @@
           <a:p>
             <a:fld id="{B0BB6E3C-9374-46F8-AFE9-ACAD19BD4237}" type="datetimeFigureOut">
               <a:rPr lang="ko-KR" altLang="en-US" smtClean="0"/>
-              <a:t>2024-03-19</a:t>
+              <a:t>2024-03-25</a:t>
             </a:fld>
             <a:endParaRPr lang="ko-KR" altLang="en-US"/>
           </a:p>
@@ -597,7 +599,7 @@
           <a:p>
             <a:fld id="{B0BB6E3C-9374-46F8-AFE9-ACAD19BD4237}" type="datetimeFigureOut">
               <a:rPr lang="ko-KR" altLang="en-US" smtClean="0"/>
-              <a:t>2024-03-19</a:t>
+              <a:t>2024-03-25</a:t>
             </a:fld>
             <a:endParaRPr lang="ko-KR" altLang="en-US"/>
           </a:p>
@@ -767,7 +769,7 @@
           <a:p>
             <a:fld id="{B0BB6E3C-9374-46F8-AFE9-ACAD19BD4237}" type="datetimeFigureOut">
               <a:rPr lang="ko-KR" altLang="en-US" smtClean="0"/>
-              <a:t>2024-03-19</a:t>
+              <a:t>2024-03-25</a:t>
             </a:fld>
             <a:endParaRPr lang="ko-KR" altLang="en-US"/>
           </a:p>
@@ -1013,7 +1015,7 @@
           <a:p>
             <a:fld id="{B0BB6E3C-9374-46F8-AFE9-ACAD19BD4237}" type="datetimeFigureOut">
               <a:rPr lang="ko-KR" altLang="en-US" smtClean="0"/>
-              <a:t>2024-03-19</a:t>
+              <a:t>2024-03-25</a:t>
             </a:fld>
             <a:endParaRPr lang="ko-KR" altLang="en-US"/>
           </a:p>
@@ -1245,7 +1247,7 @@
           <a:p>
             <a:fld id="{B0BB6E3C-9374-46F8-AFE9-ACAD19BD4237}" type="datetimeFigureOut">
               <a:rPr lang="ko-KR" altLang="en-US" smtClean="0"/>
-              <a:t>2024-03-19</a:t>
+              <a:t>2024-03-25</a:t>
             </a:fld>
             <a:endParaRPr lang="ko-KR" altLang="en-US"/>
           </a:p>
@@ -1612,7 +1614,7 @@
           <a:p>
             <a:fld id="{B0BB6E3C-9374-46F8-AFE9-ACAD19BD4237}" type="datetimeFigureOut">
               <a:rPr lang="ko-KR" altLang="en-US" smtClean="0"/>
-              <a:t>2024-03-19</a:t>
+              <a:t>2024-03-25</a:t>
             </a:fld>
             <a:endParaRPr lang="ko-KR" altLang="en-US"/>
           </a:p>
@@ -1730,7 +1732,7 @@
           <a:p>
             <a:fld id="{B0BB6E3C-9374-46F8-AFE9-ACAD19BD4237}" type="datetimeFigureOut">
               <a:rPr lang="ko-KR" altLang="en-US" smtClean="0"/>
-              <a:t>2024-03-19</a:t>
+              <a:t>2024-03-25</a:t>
             </a:fld>
             <a:endParaRPr lang="ko-KR" altLang="en-US"/>
           </a:p>
@@ -1825,7 +1827,7 @@
           <a:p>
             <a:fld id="{B0BB6E3C-9374-46F8-AFE9-ACAD19BD4237}" type="datetimeFigureOut">
               <a:rPr lang="ko-KR" altLang="en-US" smtClean="0"/>
-              <a:t>2024-03-19</a:t>
+              <a:t>2024-03-25</a:t>
             </a:fld>
             <a:endParaRPr lang="ko-KR" altLang="en-US"/>
           </a:p>
@@ -2102,7 +2104,7 @@
           <a:p>
             <a:fld id="{B0BB6E3C-9374-46F8-AFE9-ACAD19BD4237}" type="datetimeFigureOut">
               <a:rPr lang="ko-KR" altLang="en-US" smtClean="0"/>
-              <a:t>2024-03-19</a:t>
+              <a:t>2024-03-25</a:t>
             </a:fld>
             <a:endParaRPr lang="ko-KR" altLang="en-US"/>
           </a:p>
@@ -2355,7 +2357,7 @@
           <a:p>
             <a:fld id="{B0BB6E3C-9374-46F8-AFE9-ACAD19BD4237}" type="datetimeFigureOut">
               <a:rPr lang="ko-KR" altLang="en-US" smtClean="0"/>
-              <a:t>2024-03-19</a:t>
+              <a:t>2024-03-25</a:t>
             </a:fld>
             <a:endParaRPr lang="ko-KR" altLang="en-US"/>
           </a:p>
@@ -2568,7 +2570,7 @@
           <a:p>
             <a:fld id="{B0BB6E3C-9374-46F8-AFE9-ACAD19BD4237}" type="datetimeFigureOut">
               <a:rPr lang="ko-KR" altLang="en-US" smtClean="0"/>
-              <a:t>2024-03-19</a:t>
+              <a:t>2024-03-25</a:t>
             </a:fld>
             <a:endParaRPr lang="ko-KR" altLang="en-US"/>
           </a:p>
@@ -4196,7 +4198,7 @@
           <a:blip r:embed="rId2">
             <a:extLst>
               <a:ext uri="{96DAC541-7B7A-43D3-8B79-37D633B846F1}">
-                <asvg:svgBlip xmlns:asvg="http://schemas.microsoft.com/office/drawing/2016/SVG/main" xmlns="" r:embed="rId3"/>
+                <asvg:svgBlip xmlns="" xmlns:asvg="http://schemas.microsoft.com/office/drawing/2016/SVG/main" r:embed="rId3"/>
               </a:ext>
             </a:extLst>
           </a:blip>
@@ -4254,7 +4256,7 @@
           <a:blip r:embed="rId4">
             <a:extLst>
               <a:ext uri="{96DAC541-7B7A-43D3-8B79-37D633B846F1}">
-                <asvg:svgBlip xmlns:asvg="http://schemas.microsoft.com/office/drawing/2016/SVG/main" xmlns="" r:embed="rId12"/>
+                <asvg:svgBlip xmlns="" xmlns:asvg="http://schemas.microsoft.com/office/drawing/2016/SVG/main" r:embed="rId12"/>
               </a:ext>
             </a:extLst>
           </a:blip>
@@ -4312,7 +4314,7 @@
           <a:blip r:embed="rId13">
             <a:extLst>
               <a:ext uri="{96DAC541-7B7A-43D3-8B79-37D633B846F1}">
-                <asvg:svgBlip xmlns:asvg="http://schemas.microsoft.com/office/drawing/2016/SVG/main" xmlns="" r:embed="rId14"/>
+                <asvg:svgBlip xmlns="" xmlns:asvg="http://schemas.microsoft.com/office/drawing/2016/SVG/main" r:embed="rId14"/>
               </a:ext>
             </a:extLst>
           </a:blip>
@@ -11192,7 +11194,7 @@
         <p:spPr>
           <a:xfrm>
             <a:off x="5811709" y="4321268"/>
-            <a:ext cx="1124026" cy="276999"/>
+            <a:ext cx="1221809" cy="276999"/>
           </a:xfrm>
           <a:prstGeom prst="rect">
             <a:avLst/>
@@ -11211,7 +11213,7 @@
                 <a:ea typeface="Noto Sans Light" panose="020B0402040504020204" pitchFamily="34" charset="0"/>
                 <a:cs typeface="Noto Sans Light" panose="020B0402040504020204" pitchFamily="34" charset="0"/>
               </a:rPr>
-              <a:t>Active-StanBy</a:t>
+              <a:t>Active-StandBy</a:t>
             </a:r>
             <a:endParaRPr lang="ko-KR" altLang="en-US" sz="1200" b="1">
               <a:latin typeface="Noto Sans Light" panose="020B0402040504020204" pitchFamily="34" charset="0"/>
@@ -11832,6 +11834,2169 @@
           <a:chExt cx="0" cy="0"/>
         </a:xfrm>
       </p:grpSpPr>
+      <p:sp>
+        <p:nvSpPr>
+          <p:cNvPr id="96" name="직사각형 95"/>
+          <p:cNvSpPr/>
+          <p:nvPr/>
+        </p:nvSpPr>
+        <p:spPr>
+          <a:xfrm>
+            <a:off x="385075" y="2378056"/>
+            <a:ext cx="5145173" cy="2772993"/>
+          </a:xfrm>
+          <a:prstGeom prst="rect">
+            <a:avLst/>
+          </a:prstGeom>
+          <a:solidFill>
+            <a:schemeClr val="bg1">
+              <a:lumMod val="95000"/>
+            </a:schemeClr>
+          </a:solidFill>
+          <a:ln w="22225">
+            <a:solidFill>
+              <a:schemeClr val="tx1"/>
+            </a:solidFill>
+          </a:ln>
+        </p:spPr>
+        <p:style>
+          <a:lnRef idx="2">
+            <a:schemeClr val="accent1">
+              <a:shade val="50000"/>
+            </a:schemeClr>
+          </a:lnRef>
+          <a:fillRef idx="1">
+            <a:schemeClr val="accent1"/>
+          </a:fillRef>
+          <a:effectRef idx="0">
+            <a:schemeClr val="accent1"/>
+          </a:effectRef>
+          <a:fontRef idx="minor">
+            <a:schemeClr val="lt1"/>
+          </a:fontRef>
+        </p:style>
+        <p:txBody>
+          <a:bodyPr rtlCol="0" anchor="ctr"/>
+          <a:lstStyle/>
+          <a:p>
+            <a:pPr algn="ctr"/>
+            <a:endParaRPr lang="ko-KR" altLang="en-US"/>
+          </a:p>
+        </p:txBody>
+      </p:sp>
+      <p:grpSp>
+        <p:nvGrpSpPr>
+          <p:cNvPr id="1052" name="그룹 1051"/>
+          <p:cNvGrpSpPr/>
+          <p:nvPr/>
+        </p:nvGrpSpPr>
+        <p:grpSpPr>
+          <a:xfrm>
+            <a:off x="1297860" y="2791217"/>
+            <a:ext cx="1356113" cy="722844"/>
+            <a:chOff x="2121091" y="1067980"/>
+            <a:chExt cx="1356113" cy="722844"/>
+          </a:xfrm>
+        </p:grpSpPr>
+        <p:sp>
+          <p:nvSpPr>
+            <p:cNvPr id="58" name="직사각형 57"/>
+            <p:cNvSpPr/>
+            <p:nvPr/>
+          </p:nvSpPr>
+          <p:spPr>
+            <a:xfrm>
+              <a:off x="2121091" y="1067980"/>
+              <a:ext cx="1356113" cy="722844"/>
+            </a:xfrm>
+            <a:prstGeom prst="rect">
+              <a:avLst/>
+            </a:prstGeom>
+            <a:solidFill>
+              <a:srgbClr val="92D050"/>
+            </a:solidFill>
+            <a:ln w="25400">
+              <a:solidFill>
+                <a:schemeClr val="tx1"/>
+              </a:solidFill>
+            </a:ln>
+          </p:spPr>
+          <p:style>
+            <a:lnRef idx="2">
+              <a:schemeClr val="accent1">
+                <a:shade val="50000"/>
+              </a:schemeClr>
+            </a:lnRef>
+            <a:fillRef idx="1">
+              <a:schemeClr val="accent1"/>
+            </a:fillRef>
+            <a:effectRef idx="0">
+              <a:schemeClr val="accent1"/>
+            </a:effectRef>
+            <a:fontRef idx="minor">
+              <a:schemeClr val="lt1"/>
+            </a:fontRef>
+          </p:style>
+          <p:txBody>
+            <a:bodyPr rtlCol="0" anchor="ctr"/>
+            <a:lstStyle/>
+            <a:p>
+              <a:pPr algn="ctr"/>
+              <a:endParaRPr lang="ko-KR" altLang="en-US" sz="1200">
+                <a:solidFill>
+                  <a:schemeClr val="tx1"/>
+                </a:solidFill>
+                <a:latin typeface="Noto Sans KR Medium" panose="020B0600000000000000" pitchFamily="34" charset="-127"/>
+                <a:ea typeface="Noto Sans KR Medium" panose="020B0600000000000000" pitchFamily="34" charset="-127"/>
+              </a:endParaRPr>
+            </a:p>
+          </p:txBody>
+        </p:sp>
+        <p:sp>
+          <p:nvSpPr>
+            <p:cNvPr id="61" name="TextBox 60"/>
+            <p:cNvSpPr txBox="1"/>
+            <p:nvPr/>
+          </p:nvSpPr>
+          <p:spPr>
+            <a:xfrm>
+              <a:off x="2342355" y="1194650"/>
+              <a:ext cx="908197" cy="461665"/>
+            </a:xfrm>
+            <a:prstGeom prst="rect">
+              <a:avLst/>
+            </a:prstGeom>
+            <a:noFill/>
+          </p:spPr>
+          <p:txBody>
+            <a:bodyPr wrap="none" rtlCol="0">
+              <a:spAutoFit/>
+            </a:bodyPr>
+            <a:lstStyle/>
+            <a:p>
+              <a:r>
+                <a:rPr lang="en-US" altLang="ko-KR" sz="1200" smtClean="0">
+                  <a:latin typeface="Noto Sans KR Medium" panose="020B0600000000000000" pitchFamily="34" charset="-127"/>
+                  <a:ea typeface="Noto Sans KR Medium" panose="020B0600000000000000" pitchFamily="34" charset="-127"/>
+                </a:rPr>
+                <a:t>Manager1</a:t>
+              </a:r>
+            </a:p>
+            <a:p>
+              <a:endParaRPr lang="en-US" altLang="ko-KR" sz="1200" smtClean="0">
+                <a:latin typeface="Noto Sans KR Medium" panose="020B0600000000000000" pitchFamily="34" charset="-127"/>
+                <a:ea typeface="Noto Sans KR Medium" panose="020B0600000000000000" pitchFamily="34" charset="-127"/>
+              </a:endParaRPr>
+            </a:p>
+          </p:txBody>
+        </p:sp>
+      </p:grpSp>
+      <p:grpSp>
+        <p:nvGrpSpPr>
+          <p:cNvPr id="40" name="그룹 39"/>
+          <p:cNvGrpSpPr/>
+          <p:nvPr/>
+        </p:nvGrpSpPr>
+        <p:grpSpPr>
+          <a:xfrm>
+            <a:off x="1179941" y="705138"/>
+            <a:ext cx="1585732" cy="1122745"/>
+            <a:chOff x="6746190" y="-1470296"/>
+            <a:chExt cx="1585732" cy="1122745"/>
+          </a:xfrm>
+          <a:solidFill>
+            <a:schemeClr val="accent1"/>
+          </a:solidFill>
+        </p:grpSpPr>
+        <p:sp>
+          <p:nvSpPr>
+            <p:cNvPr id="77" name="원통 76"/>
+            <p:cNvSpPr/>
+            <p:nvPr/>
+          </p:nvSpPr>
+          <p:spPr>
+            <a:xfrm>
+              <a:off x="6746190" y="-1470296"/>
+              <a:ext cx="1585732" cy="1122745"/>
+            </a:xfrm>
+            <a:prstGeom prst="can">
+              <a:avLst/>
+            </a:prstGeom>
+            <a:grpFill/>
+            <a:ln w="25400">
+              <a:solidFill>
+                <a:schemeClr val="tx1"/>
+              </a:solidFill>
+            </a:ln>
+          </p:spPr>
+          <p:style>
+            <a:lnRef idx="2">
+              <a:schemeClr val="accent1">
+                <a:shade val="50000"/>
+              </a:schemeClr>
+            </a:lnRef>
+            <a:fillRef idx="1">
+              <a:schemeClr val="accent1"/>
+            </a:fillRef>
+            <a:effectRef idx="0">
+              <a:schemeClr val="accent1"/>
+            </a:effectRef>
+            <a:fontRef idx="minor">
+              <a:schemeClr val="lt1"/>
+            </a:fontRef>
+          </p:style>
+          <p:txBody>
+            <a:bodyPr rtlCol="0" anchor="ctr"/>
+            <a:lstStyle/>
+            <a:p>
+              <a:pPr algn="ctr"/>
+              <a:endParaRPr lang="ko-KR" altLang="en-US" sz="1200">
+                <a:solidFill>
+                  <a:schemeClr val="tx1"/>
+                </a:solidFill>
+                <a:latin typeface="Noto Sans KR Medium" panose="020B0600000000000000" pitchFamily="34" charset="-127"/>
+                <a:ea typeface="Noto Sans KR Medium" panose="020B0600000000000000" pitchFamily="34" charset="-127"/>
+              </a:endParaRPr>
+            </a:p>
+          </p:txBody>
+        </p:sp>
+        <p:sp>
+          <p:nvSpPr>
+            <p:cNvPr id="79" name="TextBox 78"/>
+            <p:cNvSpPr txBox="1"/>
+            <p:nvPr/>
+          </p:nvSpPr>
+          <p:spPr>
+            <a:xfrm>
+              <a:off x="7023595" y="-864637"/>
+              <a:ext cx="1030923" cy="461665"/>
+            </a:xfrm>
+            <a:prstGeom prst="rect">
+              <a:avLst/>
+            </a:prstGeom>
+            <a:grpFill/>
+          </p:spPr>
+          <p:txBody>
+            <a:bodyPr wrap="none" rtlCol="0">
+              <a:spAutoFit/>
+            </a:bodyPr>
+            <a:lstStyle/>
+            <a:p>
+              <a:pPr algn="ctr"/>
+              <a:r>
+                <a:rPr lang="en-US" altLang="ko-KR" sz="1200" smtClean="0">
+                  <a:solidFill>
+                    <a:srgbClr val="0000FF"/>
+                  </a:solidFill>
+                  <a:latin typeface="Noto Sans KR Medium" panose="020B0600000000000000" pitchFamily="34" charset="-127"/>
+                  <a:ea typeface="Noto Sans KR Medium" panose="020B0600000000000000" pitchFamily="34" charset="-127"/>
+                </a:rPr>
+                <a:t>PostgreSQL</a:t>
+              </a:r>
+            </a:p>
+            <a:p>
+              <a:pPr algn="ctr"/>
+              <a:r>
+                <a:rPr lang="en-US" altLang="ko-KR" sz="1200" smtClean="0">
+                  <a:solidFill>
+                    <a:srgbClr val="0000FF"/>
+                  </a:solidFill>
+                  <a:latin typeface="Noto Sans KR Medium" panose="020B0600000000000000" pitchFamily="34" charset="-127"/>
+                  <a:ea typeface="Noto Sans KR Medium" panose="020B0600000000000000" pitchFamily="34" charset="-127"/>
+                </a:rPr>
+                <a:t>AWS RDS</a:t>
+              </a:r>
+              <a:endParaRPr lang="ko-KR" altLang="en-US" sz="1200">
+                <a:solidFill>
+                  <a:srgbClr val="0000FF"/>
+                </a:solidFill>
+                <a:latin typeface="Noto Sans KR Medium" panose="020B0600000000000000" pitchFamily="34" charset="-127"/>
+                <a:ea typeface="Noto Sans KR Medium" panose="020B0600000000000000" pitchFamily="34" charset="-127"/>
+              </a:endParaRPr>
+            </a:p>
+          </p:txBody>
+        </p:sp>
+        <p:sp>
+          <p:nvSpPr>
+            <p:cNvPr id="80" name="TextBox 79"/>
+            <p:cNvSpPr txBox="1"/>
+            <p:nvPr/>
+          </p:nvSpPr>
+          <p:spPr>
+            <a:xfrm>
+              <a:off x="7233524" y="-1111393"/>
+              <a:ext cx="611065" cy="276999"/>
+            </a:xfrm>
+            <a:prstGeom prst="rect">
+              <a:avLst/>
+            </a:prstGeom>
+            <a:grpFill/>
+          </p:spPr>
+          <p:txBody>
+            <a:bodyPr wrap="none" rtlCol="0">
+              <a:spAutoFit/>
+            </a:bodyPr>
+            <a:lstStyle/>
+            <a:p>
+              <a:r>
+                <a:rPr lang="en-US" altLang="ko-KR" sz="1200" smtClean="0">
+                  <a:latin typeface="Noto Sans KR Medium" panose="020B0600000000000000" pitchFamily="34" charset="-127"/>
+                  <a:ea typeface="Noto Sans KR Medium" panose="020B0600000000000000" pitchFamily="34" charset="-127"/>
+                </a:rPr>
+                <a:t>ORDB</a:t>
+              </a:r>
+              <a:endParaRPr lang="ko-KR" altLang="en-US" sz="1200">
+                <a:latin typeface="Noto Sans KR Medium" panose="020B0600000000000000" pitchFamily="34" charset="-127"/>
+                <a:ea typeface="Noto Sans KR Medium" panose="020B0600000000000000" pitchFamily="34" charset="-127"/>
+              </a:endParaRPr>
+            </a:p>
+          </p:txBody>
+        </p:sp>
+      </p:grpSp>
+      <p:sp>
+        <p:nvSpPr>
+          <p:cNvPr id="2" name="순서도: 직접 액세스 저장소 1"/>
+          <p:cNvSpPr/>
+          <p:nvPr/>
+        </p:nvSpPr>
+        <p:spPr>
+          <a:xfrm>
+            <a:off x="6746316" y="3266958"/>
+            <a:ext cx="1514443" cy="995187"/>
+          </a:xfrm>
+          <a:prstGeom prst="flowChartMagneticDrum">
+            <a:avLst/>
+          </a:prstGeom>
+          <a:ln w="25400">
+            <a:solidFill>
+              <a:schemeClr val="tx1"/>
+            </a:solidFill>
+          </a:ln>
+        </p:spPr>
+        <p:style>
+          <a:lnRef idx="2">
+            <a:schemeClr val="accent1">
+              <a:shade val="50000"/>
+            </a:schemeClr>
+          </a:lnRef>
+          <a:fillRef idx="1">
+            <a:schemeClr val="accent1"/>
+          </a:fillRef>
+          <a:effectRef idx="0">
+            <a:schemeClr val="accent1"/>
+          </a:effectRef>
+          <a:fontRef idx="minor">
+            <a:schemeClr val="lt1"/>
+          </a:fontRef>
+        </p:style>
+        <p:txBody>
+          <a:bodyPr rtlCol="0" anchor="ctr"/>
+          <a:lstStyle/>
+          <a:p>
+            <a:pPr algn="ctr"/>
+            <a:r>
+              <a:rPr lang="en-US" altLang="ko-KR" sz="1400" smtClean="0">
+                <a:solidFill>
+                  <a:schemeClr val="tx1"/>
+                </a:solidFill>
+                <a:latin typeface="Noto Sans KR Medium" panose="020B0600000000000000" pitchFamily="34" charset="-127"/>
+                <a:ea typeface="Noto Sans KR Medium" panose="020B0600000000000000" pitchFamily="34" charset="-127"/>
+                <a:cs typeface="Noto Sans Light" panose="020B0402040504020204" pitchFamily="34" charset="0"/>
+              </a:rPr>
+              <a:t>Queue</a:t>
+            </a:r>
+          </a:p>
+          <a:p>
+            <a:pPr algn="ctr"/>
+            <a:endParaRPr lang="en-US" altLang="ko-KR" sz="1400">
+              <a:solidFill>
+                <a:schemeClr val="tx1"/>
+              </a:solidFill>
+              <a:latin typeface="Noto Sans KR Medium" panose="020B0600000000000000" pitchFamily="34" charset="-127"/>
+              <a:ea typeface="Noto Sans KR Medium" panose="020B0600000000000000" pitchFamily="34" charset="-127"/>
+              <a:cs typeface="Noto Sans Light" panose="020B0402040504020204" pitchFamily="34" charset="0"/>
+            </a:endParaRPr>
+          </a:p>
+          <a:p>
+            <a:pPr algn="ctr"/>
+            <a:endParaRPr lang="en-US" altLang="ko-KR" sz="1400" smtClean="0">
+              <a:solidFill>
+                <a:schemeClr val="tx1"/>
+              </a:solidFill>
+              <a:latin typeface="Noto Sans KR Medium" panose="020B0600000000000000" pitchFamily="34" charset="-127"/>
+              <a:ea typeface="Noto Sans KR Medium" panose="020B0600000000000000" pitchFamily="34" charset="-127"/>
+              <a:cs typeface="Noto Sans Light" panose="020B0402040504020204" pitchFamily="34" charset="0"/>
+            </a:endParaRPr>
+          </a:p>
+        </p:txBody>
+      </p:sp>
+      <p:grpSp>
+        <p:nvGrpSpPr>
+          <p:cNvPr id="59" name="그룹 58"/>
+          <p:cNvGrpSpPr/>
+          <p:nvPr/>
+        </p:nvGrpSpPr>
+        <p:grpSpPr>
+          <a:xfrm>
+            <a:off x="3582160" y="2793106"/>
+            <a:ext cx="1356113" cy="722844"/>
+            <a:chOff x="2121091" y="1067980"/>
+            <a:chExt cx="1356113" cy="722844"/>
+          </a:xfrm>
+        </p:grpSpPr>
+        <p:sp>
+          <p:nvSpPr>
+            <p:cNvPr id="62" name="직사각형 61"/>
+            <p:cNvSpPr/>
+            <p:nvPr/>
+          </p:nvSpPr>
+          <p:spPr>
+            <a:xfrm>
+              <a:off x="2121091" y="1067980"/>
+              <a:ext cx="1356113" cy="722844"/>
+            </a:xfrm>
+            <a:prstGeom prst="rect">
+              <a:avLst/>
+            </a:prstGeom>
+            <a:solidFill>
+              <a:srgbClr val="00B0F0"/>
+            </a:solidFill>
+            <a:ln w="25400">
+              <a:solidFill>
+                <a:schemeClr val="tx1"/>
+              </a:solidFill>
+            </a:ln>
+          </p:spPr>
+          <p:style>
+            <a:lnRef idx="2">
+              <a:schemeClr val="accent1">
+                <a:shade val="50000"/>
+              </a:schemeClr>
+            </a:lnRef>
+            <a:fillRef idx="1">
+              <a:schemeClr val="accent1"/>
+            </a:fillRef>
+            <a:effectRef idx="0">
+              <a:schemeClr val="accent1"/>
+            </a:effectRef>
+            <a:fontRef idx="minor">
+              <a:schemeClr val="lt1"/>
+            </a:fontRef>
+          </p:style>
+          <p:txBody>
+            <a:bodyPr rtlCol="0" anchor="ctr"/>
+            <a:lstStyle/>
+            <a:p>
+              <a:pPr algn="ctr"/>
+              <a:endParaRPr lang="ko-KR" altLang="en-US" sz="1200">
+                <a:solidFill>
+                  <a:schemeClr val="tx1"/>
+                </a:solidFill>
+                <a:latin typeface="Noto Sans KR Medium" panose="020B0600000000000000" pitchFamily="34" charset="-127"/>
+                <a:ea typeface="Noto Sans KR Medium" panose="020B0600000000000000" pitchFamily="34" charset="-127"/>
+              </a:endParaRPr>
+            </a:p>
+          </p:txBody>
+        </p:sp>
+        <p:sp>
+          <p:nvSpPr>
+            <p:cNvPr id="63" name="TextBox 62"/>
+            <p:cNvSpPr txBox="1"/>
+            <p:nvPr/>
+          </p:nvSpPr>
+          <p:spPr>
+            <a:xfrm>
+              <a:off x="2342355" y="1186629"/>
+              <a:ext cx="908197" cy="461665"/>
+            </a:xfrm>
+            <a:prstGeom prst="rect">
+              <a:avLst/>
+            </a:prstGeom>
+            <a:noFill/>
+          </p:spPr>
+          <p:txBody>
+            <a:bodyPr wrap="none" rtlCol="0">
+              <a:spAutoFit/>
+            </a:bodyPr>
+            <a:lstStyle/>
+            <a:p>
+              <a:r>
+                <a:rPr lang="en-US" altLang="ko-KR" sz="1200" smtClean="0">
+                  <a:latin typeface="Noto Sans KR Medium" panose="020B0600000000000000" pitchFamily="34" charset="-127"/>
+                  <a:ea typeface="Noto Sans KR Medium" panose="020B0600000000000000" pitchFamily="34" charset="-127"/>
+                </a:rPr>
+                <a:t>Manager2</a:t>
+              </a:r>
+            </a:p>
+            <a:p>
+              <a:endParaRPr lang="ko-KR" altLang="en-US" sz="1200">
+                <a:latin typeface="Noto Sans KR Medium" panose="020B0600000000000000" pitchFamily="34" charset="-127"/>
+                <a:ea typeface="Noto Sans KR Medium" panose="020B0600000000000000" pitchFamily="34" charset="-127"/>
+              </a:endParaRPr>
+            </a:p>
+          </p:txBody>
+        </p:sp>
+      </p:grpSp>
+      <p:grpSp>
+        <p:nvGrpSpPr>
+          <p:cNvPr id="37" name="그룹 36"/>
+          <p:cNvGrpSpPr/>
+          <p:nvPr/>
+        </p:nvGrpSpPr>
+        <p:grpSpPr>
+          <a:xfrm>
+            <a:off x="897274" y="4168363"/>
+            <a:ext cx="1037164" cy="722844"/>
+            <a:chOff x="1493506" y="4877609"/>
+            <a:chExt cx="1037164" cy="722844"/>
+          </a:xfrm>
+        </p:grpSpPr>
+        <p:sp>
+          <p:nvSpPr>
+            <p:cNvPr id="75" name="직사각형 74"/>
+            <p:cNvSpPr/>
+            <p:nvPr/>
+          </p:nvSpPr>
+          <p:spPr>
+            <a:xfrm>
+              <a:off x="1493506" y="4877609"/>
+              <a:ext cx="1037164" cy="722844"/>
+            </a:xfrm>
+            <a:prstGeom prst="rect">
+              <a:avLst/>
+            </a:prstGeom>
+            <a:solidFill>
+              <a:srgbClr val="FFC000"/>
+            </a:solidFill>
+            <a:ln w="25400">
+              <a:solidFill>
+                <a:schemeClr val="tx1"/>
+              </a:solidFill>
+            </a:ln>
+          </p:spPr>
+          <p:style>
+            <a:lnRef idx="2">
+              <a:schemeClr val="accent1">
+                <a:shade val="50000"/>
+              </a:schemeClr>
+            </a:lnRef>
+            <a:fillRef idx="1">
+              <a:schemeClr val="accent1"/>
+            </a:fillRef>
+            <a:effectRef idx="0">
+              <a:schemeClr val="accent1"/>
+            </a:effectRef>
+            <a:fontRef idx="minor">
+              <a:schemeClr val="lt1"/>
+            </a:fontRef>
+          </p:style>
+          <p:txBody>
+            <a:bodyPr rtlCol="0" anchor="ctr"/>
+            <a:lstStyle/>
+            <a:p>
+              <a:pPr algn="ctr"/>
+              <a:endParaRPr lang="ko-KR" altLang="en-US" sz="1200">
+                <a:solidFill>
+                  <a:schemeClr val="tx1"/>
+                </a:solidFill>
+                <a:latin typeface="Noto Sans KR Medium" panose="020B0600000000000000" pitchFamily="34" charset="-127"/>
+                <a:ea typeface="Noto Sans KR Medium" panose="020B0600000000000000" pitchFamily="34" charset="-127"/>
+              </a:endParaRPr>
+            </a:p>
+          </p:txBody>
+        </p:sp>
+        <p:sp>
+          <p:nvSpPr>
+            <p:cNvPr id="76" name="TextBox 75"/>
+            <p:cNvSpPr txBox="1"/>
+            <p:nvPr/>
+          </p:nvSpPr>
+          <p:spPr>
+            <a:xfrm>
+              <a:off x="1624238" y="4976619"/>
+              <a:ext cx="884129" cy="461665"/>
+            </a:xfrm>
+            <a:prstGeom prst="rect">
+              <a:avLst/>
+            </a:prstGeom>
+            <a:noFill/>
+          </p:spPr>
+          <p:txBody>
+            <a:bodyPr wrap="square" rtlCol="0">
+              <a:spAutoFit/>
+            </a:bodyPr>
+            <a:lstStyle/>
+            <a:p>
+              <a:r>
+                <a:rPr lang="en-US" altLang="ko-KR" sz="1200" smtClean="0">
+                  <a:latin typeface="Noto Sans KR Medium" panose="020B0600000000000000" pitchFamily="34" charset="-127"/>
+                  <a:ea typeface="Noto Sans KR Medium" panose="020B0600000000000000" pitchFamily="34" charset="-127"/>
+                </a:rPr>
+                <a:t>Worker1</a:t>
+              </a:r>
+            </a:p>
+            <a:p>
+              <a:endParaRPr lang="ko-KR" altLang="en-US" sz="1200">
+                <a:latin typeface="Noto Sans KR Medium" panose="020B0600000000000000" pitchFamily="34" charset="-127"/>
+                <a:ea typeface="Noto Sans KR Medium" panose="020B0600000000000000" pitchFamily="34" charset="-127"/>
+              </a:endParaRPr>
+            </a:p>
+          </p:txBody>
+        </p:sp>
+      </p:grpSp>
+      <p:cxnSp>
+        <p:nvCxnSpPr>
+          <p:cNvPr id="90" name="직선 연결선 89"/>
+          <p:cNvCxnSpPr>
+            <a:stCxn id="62" idx="1"/>
+            <a:endCxn id="58" idx="3"/>
+          </p:cNvCxnSpPr>
+          <p:nvPr/>
+        </p:nvCxnSpPr>
+        <p:spPr>
+          <a:xfrm flipH="1" flipV="1">
+            <a:off x="2653973" y="3152639"/>
+            <a:ext cx="928187" cy="1889"/>
+          </a:xfrm>
+          <a:prstGeom prst="line">
+            <a:avLst/>
+          </a:prstGeom>
+          <a:ln w="19050">
+            <a:solidFill>
+              <a:schemeClr val="tx1"/>
+            </a:solidFill>
+            <a:tailEnd type="arrow"/>
+          </a:ln>
+        </p:spPr>
+        <p:style>
+          <a:lnRef idx="1">
+            <a:schemeClr val="accent1"/>
+          </a:lnRef>
+          <a:fillRef idx="0">
+            <a:schemeClr val="accent1"/>
+          </a:fillRef>
+          <a:effectRef idx="0">
+            <a:schemeClr val="accent1"/>
+          </a:effectRef>
+          <a:fontRef idx="minor">
+            <a:schemeClr val="tx1"/>
+          </a:fontRef>
+        </p:style>
+      </p:cxnSp>
+      <p:sp>
+        <p:nvSpPr>
+          <p:cNvPr id="13" name="TextBox 12"/>
+          <p:cNvSpPr txBox="1"/>
+          <p:nvPr/>
+        </p:nvSpPr>
+        <p:spPr>
+          <a:xfrm>
+            <a:off x="2839455" y="2728570"/>
+            <a:ext cx="644728" cy="461665"/>
+          </a:xfrm>
+          <a:prstGeom prst="rect">
+            <a:avLst/>
+          </a:prstGeom>
+          <a:noFill/>
+        </p:spPr>
+        <p:txBody>
+          <a:bodyPr wrap="none" rtlCol="0">
+            <a:spAutoFit/>
+          </a:bodyPr>
+          <a:lstStyle/>
+          <a:p>
+            <a:pPr algn="ctr"/>
+            <a:r>
+              <a:rPr lang="en-US" altLang="ko-KR" sz="1200" b="1" smtClean="0">
+                <a:latin typeface="Noto Sans Light" panose="020B0402040504020204" pitchFamily="34" charset="0"/>
+                <a:ea typeface="Noto Sans Light" panose="020B0402040504020204" pitchFamily="34" charset="0"/>
+                <a:cs typeface="Noto Sans Light" panose="020B0402040504020204" pitchFamily="34" charset="0"/>
+              </a:rPr>
+              <a:t>Health</a:t>
+            </a:r>
+          </a:p>
+          <a:p>
+            <a:pPr algn="ctr"/>
+            <a:r>
+              <a:rPr lang="en-US" altLang="ko-KR" sz="1200" b="1" smtClean="0">
+                <a:latin typeface="Noto Sans Light" panose="020B0402040504020204" pitchFamily="34" charset="0"/>
+                <a:ea typeface="Noto Sans Light" panose="020B0402040504020204" pitchFamily="34" charset="0"/>
+                <a:cs typeface="Noto Sans Light" panose="020B0402040504020204" pitchFamily="34" charset="0"/>
+              </a:rPr>
+              <a:t>Check</a:t>
+            </a:r>
+            <a:endParaRPr lang="ko-KR" altLang="en-US" sz="1200" b="1">
+              <a:latin typeface="Noto Sans Light" panose="020B0402040504020204" pitchFamily="34" charset="0"/>
+              <a:ea typeface="Noto Sans KR Medium" panose="020B0600000000000000" pitchFamily="34" charset="-127"/>
+              <a:cs typeface="Noto Sans Light" panose="020B0402040504020204" pitchFamily="34" charset="0"/>
+            </a:endParaRPr>
+          </a:p>
+        </p:txBody>
+      </p:sp>
+      <p:sp>
+        <p:nvSpPr>
+          <p:cNvPr id="91" name="TextBox 90"/>
+          <p:cNvSpPr txBox="1"/>
+          <p:nvPr/>
+        </p:nvSpPr>
+        <p:spPr>
+          <a:xfrm>
+            <a:off x="4263953" y="3508715"/>
+            <a:ext cx="1221809" cy="276999"/>
+          </a:xfrm>
+          <a:prstGeom prst="rect">
+            <a:avLst/>
+          </a:prstGeom>
+          <a:noFill/>
+        </p:spPr>
+        <p:txBody>
+          <a:bodyPr wrap="none" rtlCol="0">
+            <a:spAutoFit/>
+          </a:bodyPr>
+          <a:lstStyle/>
+          <a:p>
+            <a:r>
+              <a:rPr lang="en-US" altLang="ko-KR" sz="1200" b="1" smtClean="0">
+                <a:latin typeface="Noto Sans Light" panose="020B0402040504020204" pitchFamily="34" charset="0"/>
+                <a:ea typeface="Noto Sans Light" panose="020B0402040504020204" pitchFamily="34" charset="0"/>
+                <a:cs typeface="Noto Sans Light" panose="020B0402040504020204" pitchFamily="34" charset="0"/>
+              </a:rPr>
+              <a:t>Active-StandBy</a:t>
+            </a:r>
+            <a:endParaRPr lang="ko-KR" altLang="en-US" sz="1200" b="1">
+              <a:latin typeface="Noto Sans Light" panose="020B0402040504020204" pitchFamily="34" charset="0"/>
+              <a:ea typeface="Noto Sans KR Medium" panose="020B0600000000000000" pitchFamily="34" charset="-127"/>
+              <a:cs typeface="Noto Sans Light" panose="020B0402040504020204" pitchFamily="34" charset="0"/>
+            </a:endParaRPr>
+          </a:p>
+        </p:txBody>
+      </p:sp>
+      <p:sp>
+        <p:nvSpPr>
+          <p:cNvPr id="92" name="TextBox 91"/>
+          <p:cNvSpPr txBox="1"/>
+          <p:nvPr/>
+        </p:nvSpPr>
+        <p:spPr>
+          <a:xfrm>
+            <a:off x="2180302" y="4874051"/>
+            <a:ext cx="1058303" cy="276999"/>
+          </a:xfrm>
+          <a:prstGeom prst="rect">
+            <a:avLst/>
+          </a:prstGeom>
+          <a:noFill/>
+        </p:spPr>
+        <p:txBody>
+          <a:bodyPr wrap="none" rtlCol="0">
+            <a:spAutoFit/>
+          </a:bodyPr>
+          <a:lstStyle/>
+          <a:p>
+            <a:r>
+              <a:rPr lang="en-US" altLang="ko-KR" sz="1200" b="1" smtClean="0">
+                <a:latin typeface="Noto Sans Light" panose="020B0402040504020204" pitchFamily="34" charset="0"/>
+                <a:ea typeface="Noto Sans Light" panose="020B0402040504020204" pitchFamily="34" charset="0"/>
+                <a:cs typeface="Noto Sans Light" panose="020B0402040504020204" pitchFamily="34" charset="0"/>
+              </a:rPr>
+              <a:t>Active-Active</a:t>
+            </a:r>
+            <a:endParaRPr lang="ko-KR" altLang="en-US" sz="1200" b="1">
+              <a:latin typeface="Noto Sans Light" panose="020B0402040504020204" pitchFamily="34" charset="0"/>
+              <a:ea typeface="Noto Sans KR Medium" panose="020B0600000000000000" pitchFamily="34" charset="-127"/>
+              <a:cs typeface="Noto Sans Light" panose="020B0402040504020204" pitchFamily="34" charset="0"/>
+            </a:endParaRPr>
+          </a:p>
+        </p:txBody>
+      </p:sp>
+      <p:sp>
+        <p:nvSpPr>
+          <p:cNvPr id="99" name="TextBox 98"/>
+          <p:cNvSpPr txBox="1"/>
+          <p:nvPr/>
+        </p:nvSpPr>
+        <p:spPr>
+          <a:xfrm>
+            <a:off x="5757408" y="3764551"/>
+            <a:ext cx="761748" cy="276999"/>
+          </a:xfrm>
+          <a:prstGeom prst="rect">
+            <a:avLst/>
+          </a:prstGeom>
+          <a:noFill/>
+        </p:spPr>
+        <p:txBody>
+          <a:bodyPr wrap="none" rtlCol="0">
+            <a:spAutoFit/>
+          </a:bodyPr>
+          <a:lstStyle/>
+          <a:p>
+            <a:pPr algn="ctr"/>
+            <a:r>
+              <a:rPr lang="en-US" altLang="ko-KR" sz="1200" b="1" smtClean="0">
+                <a:latin typeface="Noto Sans Light" panose="020B0402040504020204" pitchFamily="34" charset="0"/>
+                <a:ea typeface="Noto Sans Light" panose="020B0402040504020204" pitchFamily="34" charset="0"/>
+                <a:cs typeface="Noto Sans Light" panose="020B0402040504020204" pitchFamily="34" charset="0"/>
+              </a:rPr>
+              <a:t>Logging</a:t>
+            </a:r>
+            <a:endParaRPr lang="ko-KR" altLang="en-US" sz="1200" b="1">
+              <a:latin typeface="Noto Sans Light" panose="020B0402040504020204" pitchFamily="34" charset="0"/>
+              <a:ea typeface="Noto Sans KR Medium" panose="020B0600000000000000" pitchFamily="34" charset="-127"/>
+              <a:cs typeface="Noto Sans Light" panose="020B0402040504020204" pitchFamily="34" charset="0"/>
+            </a:endParaRPr>
+          </a:p>
+        </p:txBody>
+      </p:sp>
+      <p:sp>
+        <p:nvSpPr>
+          <p:cNvPr id="100" name="직사각형 99"/>
+          <p:cNvSpPr/>
+          <p:nvPr/>
+        </p:nvSpPr>
+        <p:spPr>
+          <a:xfrm>
+            <a:off x="6287588" y="314523"/>
+            <a:ext cx="2431897" cy="1903974"/>
+          </a:xfrm>
+          <a:prstGeom prst="rect">
+            <a:avLst/>
+          </a:prstGeom>
+          <a:solidFill>
+            <a:schemeClr val="bg1">
+              <a:lumMod val="95000"/>
+            </a:schemeClr>
+          </a:solidFill>
+          <a:ln w="22225">
+            <a:solidFill>
+              <a:schemeClr val="tx1"/>
+            </a:solidFill>
+          </a:ln>
+        </p:spPr>
+        <p:style>
+          <a:lnRef idx="2">
+            <a:schemeClr val="accent1">
+              <a:shade val="50000"/>
+            </a:schemeClr>
+          </a:lnRef>
+          <a:fillRef idx="1">
+            <a:schemeClr val="accent1"/>
+          </a:fillRef>
+          <a:effectRef idx="0">
+            <a:schemeClr val="accent1"/>
+          </a:effectRef>
+          <a:fontRef idx="minor">
+            <a:schemeClr val="lt1"/>
+          </a:fontRef>
+        </p:style>
+        <p:txBody>
+          <a:bodyPr rtlCol="0" anchor="ctr"/>
+          <a:lstStyle/>
+          <a:p>
+            <a:pPr algn="ctr"/>
+            <a:r>
+              <a:rPr lang="en-US" altLang="ko-KR" smtClean="0">
+                <a:solidFill>
+                  <a:schemeClr val="tx1"/>
+                </a:solidFill>
+                <a:latin typeface="Noto Sans KR Black" panose="020B0A00000000000000" pitchFamily="34" charset="-127"/>
+                <a:ea typeface="Noto Sans KR Black" panose="020B0A00000000000000" pitchFamily="34" charset="-127"/>
+              </a:rPr>
+              <a:t>MeFeed</a:t>
+            </a:r>
+          </a:p>
+          <a:p>
+            <a:pPr algn="ctr"/>
+            <a:r>
+              <a:rPr lang="en-US" altLang="ko-KR" smtClean="0">
+                <a:solidFill>
+                  <a:schemeClr val="tx1"/>
+                </a:solidFill>
+                <a:latin typeface="Noto Sans KR Black" panose="020B0A00000000000000" pitchFamily="34" charset="-127"/>
+                <a:ea typeface="Noto Sans KR Black" panose="020B0A00000000000000" pitchFamily="34" charset="-127"/>
+              </a:rPr>
+              <a:t>Network</a:t>
+            </a:r>
+            <a:endParaRPr lang="ko-KR" altLang="en-US">
+              <a:solidFill>
+                <a:schemeClr val="tx1"/>
+              </a:solidFill>
+              <a:latin typeface="Noto Sans KR Black" panose="020B0A00000000000000" pitchFamily="34" charset="-127"/>
+              <a:ea typeface="Noto Sans KR Black" panose="020B0A00000000000000" pitchFamily="34" charset="-127"/>
+            </a:endParaRPr>
+          </a:p>
+        </p:txBody>
+      </p:sp>
+      <p:cxnSp>
+        <p:nvCxnSpPr>
+          <p:cNvPr id="104" name="꺾인 연결선 103"/>
+          <p:cNvCxnSpPr>
+            <a:stCxn id="58" idx="2"/>
+            <a:endCxn id="75" idx="0"/>
+          </p:cNvCxnSpPr>
+          <p:nvPr/>
+        </p:nvCxnSpPr>
+        <p:spPr>
+          <a:xfrm rot="5400000">
+            <a:off x="1368736" y="3561182"/>
+            <a:ext cx="654302" cy="560061"/>
+          </a:xfrm>
+          <a:prstGeom prst="bentConnector3">
+            <a:avLst>
+              <a:gd name="adj1" fmla="val 50000"/>
+            </a:avLst>
+          </a:prstGeom>
+          <a:ln w="19050">
+            <a:solidFill>
+              <a:schemeClr val="tx1"/>
+            </a:solidFill>
+          </a:ln>
+        </p:spPr>
+        <p:style>
+          <a:lnRef idx="1">
+            <a:schemeClr val="accent1"/>
+          </a:lnRef>
+          <a:fillRef idx="0">
+            <a:schemeClr val="accent1"/>
+          </a:fillRef>
+          <a:effectRef idx="0">
+            <a:schemeClr val="accent1"/>
+          </a:effectRef>
+          <a:fontRef idx="minor">
+            <a:schemeClr val="tx1"/>
+          </a:fontRef>
+        </p:style>
+      </p:cxnSp>
+      <p:cxnSp>
+        <p:nvCxnSpPr>
+          <p:cNvPr id="106" name="꺾인 연결선 105"/>
+          <p:cNvCxnSpPr>
+            <a:stCxn id="77" idx="3"/>
+            <a:endCxn id="58" idx="0"/>
+          </p:cNvCxnSpPr>
+          <p:nvPr/>
+        </p:nvCxnSpPr>
+        <p:spPr>
+          <a:xfrm rot="16200000" flipH="1">
+            <a:off x="1492695" y="2307995"/>
+            <a:ext cx="963334" cy="3110"/>
+          </a:xfrm>
+          <a:prstGeom prst="bentConnector3">
+            <a:avLst>
+              <a:gd name="adj1" fmla="val 50000"/>
+            </a:avLst>
+          </a:prstGeom>
+          <a:ln w="19050">
+            <a:solidFill>
+              <a:schemeClr val="tx1"/>
+            </a:solidFill>
+          </a:ln>
+        </p:spPr>
+        <p:style>
+          <a:lnRef idx="1">
+            <a:schemeClr val="accent1"/>
+          </a:lnRef>
+          <a:fillRef idx="0">
+            <a:schemeClr val="accent1"/>
+          </a:fillRef>
+          <a:effectRef idx="0">
+            <a:schemeClr val="accent1"/>
+          </a:effectRef>
+          <a:fontRef idx="minor">
+            <a:schemeClr val="tx1"/>
+          </a:fontRef>
+        </p:style>
+      </p:cxnSp>
+      <p:cxnSp>
+        <p:nvCxnSpPr>
+          <p:cNvPr id="107" name="꺾인 연결선 106"/>
+          <p:cNvCxnSpPr>
+            <a:stCxn id="77" idx="3"/>
+            <a:endCxn id="62" idx="0"/>
+          </p:cNvCxnSpPr>
+          <p:nvPr/>
+        </p:nvCxnSpPr>
+        <p:spPr>
+          <a:xfrm rot="16200000" flipH="1">
+            <a:off x="2633901" y="1166789"/>
+            <a:ext cx="965223" cy="2287410"/>
+          </a:xfrm>
+          <a:prstGeom prst="bentConnector3">
+            <a:avLst>
+              <a:gd name="adj1" fmla="val 76842"/>
+            </a:avLst>
+          </a:prstGeom>
+          <a:ln w="19050">
+            <a:solidFill>
+              <a:schemeClr val="tx1"/>
+            </a:solidFill>
+          </a:ln>
+        </p:spPr>
+        <p:style>
+          <a:lnRef idx="1">
+            <a:schemeClr val="accent1"/>
+          </a:lnRef>
+          <a:fillRef idx="0">
+            <a:schemeClr val="accent1"/>
+          </a:fillRef>
+          <a:effectRef idx="0">
+            <a:schemeClr val="accent1"/>
+          </a:effectRef>
+          <a:fontRef idx="minor">
+            <a:schemeClr val="tx1"/>
+          </a:fontRef>
+        </p:style>
+      </p:cxnSp>
+      <p:grpSp>
+        <p:nvGrpSpPr>
+          <p:cNvPr id="121" name="그룹 120"/>
+          <p:cNvGrpSpPr/>
+          <p:nvPr/>
+        </p:nvGrpSpPr>
+        <p:grpSpPr>
+          <a:xfrm>
+            <a:off x="2172682" y="4168193"/>
+            <a:ext cx="1037164" cy="722844"/>
+            <a:chOff x="1493506" y="4877609"/>
+            <a:chExt cx="1037164" cy="722844"/>
+          </a:xfrm>
+        </p:grpSpPr>
+        <p:sp>
+          <p:nvSpPr>
+            <p:cNvPr id="122" name="직사각형 121"/>
+            <p:cNvSpPr/>
+            <p:nvPr/>
+          </p:nvSpPr>
+          <p:spPr>
+            <a:xfrm>
+              <a:off x="1493506" y="4877609"/>
+              <a:ext cx="1037164" cy="722844"/>
+            </a:xfrm>
+            <a:prstGeom prst="rect">
+              <a:avLst/>
+            </a:prstGeom>
+            <a:solidFill>
+              <a:srgbClr val="FFC000"/>
+            </a:solidFill>
+            <a:ln w="25400">
+              <a:solidFill>
+                <a:schemeClr val="tx1"/>
+              </a:solidFill>
+            </a:ln>
+          </p:spPr>
+          <p:style>
+            <a:lnRef idx="2">
+              <a:schemeClr val="accent1">
+                <a:shade val="50000"/>
+              </a:schemeClr>
+            </a:lnRef>
+            <a:fillRef idx="1">
+              <a:schemeClr val="accent1"/>
+            </a:fillRef>
+            <a:effectRef idx="0">
+              <a:schemeClr val="accent1"/>
+            </a:effectRef>
+            <a:fontRef idx="minor">
+              <a:schemeClr val="lt1"/>
+            </a:fontRef>
+          </p:style>
+          <p:txBody>
+            <a:bodyPr rtlCol="0" anchor="ctr"/>
+            <a:lstStyle/>
+            <a:p>
+              <a:pPr algn="ctr"/>
+              <a:endParaRPr lang="ko-KR" altLang="en-US" sz="1200">
+                <a:solidFill>
+                  <a:schemeClr val="tx1"/>
+                </a:solidFill>
+                <a:latin typeface="Noto Sans KR Medium" panose="020B0600000000000000" pitchFamily="34" charset="-127"/>
+                <a:ea typeface="Noto Sans KR Medium" panose="020B0600000000000000" pitchFamily="34" charset="-127"/>
+              </a:endParaRPr>
+            </a:p>
+          </p:txBody>
+        </p:sp>
+        <p:sp>
+          <p:nvSpPr>
+            <p:cNvPr id="123" name="TextBox 122"/>
+            <p:cNvSpPr txBox="1"/>
+            <p:nvPr/>
+          </p:nvSpPr>
+          <p:spPr>
+            <a:xfrm>
+              <a:off x="1624238" y="4992661"/>
+              <a:ext cx="884129" cy="276999"/>
+            </a:xfrm>
+            <a:prstGeom prst="rect">
+              <a:avLst/>
+            </a:prstGeom>
+            <a:noFill/>
+          </p:spPr>
+          <p:txBody>
+            <a:bodyPr wrap="square" rtlCol="0">
+              <a:spAutoFit/>
+            </a:bodyPr>
+            <a:lstStyle/>
+            <a:p>
+              <a:r>
+                <a:rPr lang="en-US" altLang="ko-KR" sz="1200" smtClean="0">
+                  <a:latin typeface="Noto Sans KR Medium" panose="020B0600000000000000" pitchFamily="34" charset="-127"/>
+                  <a:ea typeface="Noto Sans KR Medium" panose="020B0600000000000000" pitchFamily="34" charset="-127"/>
+                </a:rPr>
+                <a:t>Worker2</a:t>
+              </a:r>
+              <a:endParaRPr lang="ko-KR" altLang="en-US" sz="1200">
+                <a:latin typeface="Noto Sans KR Medium" panose="020B0600000000000000" pitchFamily="34" charset="-127"/>
+                <a:ea typeface="Noto Sans KR Medium" panose="020B0600000000000000" pitchFamily="34" charset="-127"/>
+              </a:endParaRPr>
+            </a:p>
+          </p:txBody>
+        </p:sp>
+      </p:grpSp>
+      <p:cxnSp>
+        <p:nvCxnSpPr>
+          <p:cNvPr id="128" name="꺾인 연결선 127"/>
+          <p:cNvCxnSpPr>
+            <a:stCxn id="58" idx="2"/>
+            <a:endCxn id="122" idx="0"/>
+          </p:cNvCxnSpPr>
+          <p:nvPr/>
+        </p:nvCxnSpPr>
+        <p:spPr>
+          <a:xfrm rot="16200000" flipH="1">
+            <a:off x="2006524" y="3483453"/>
+            <a:ext cx="654132" cy="715347"/>
+          </a:xfrm>
+          <a:prstGeom prst="bentConnector3">
+            <a:avLst>
+              <a:gd name="adj1" fmla="val 50000"/>
+            </a:avLst>
+          </a:prstGeom>
+          <a:ln w="19050">
+            <a:solidFill>
+              <a:schemeClr val="tx1"/>
+            </a:solidFill>
+          </a:ln>
+        </p:spPr>
+        <p:style>
+          <a:lnRef idx="1">
+            <a:schemeClr val="accent1"/>
+          </a:lnRef>
+          <a:fillRef idx="0">
+            <a:schemeClr val="accent1"/>
+          </a:fillRef>
+          <a:effectRef idx="0">
+            <a:schemeClr val="accent1"/>
+          </a:effectRef>
+          <a:fontRef idx="minor">
+            <a:schemeClr val="tx1"/>
+          </a:fontRef>
+        </p:style>
+      </p:cxnSp>
+      <p:cxnSp>
+        <p:nvCxnSpPr>
+          <p:cNvPr id="131" name="꺾인 연결선 130"/>
+          <p:cNvCxnSpPr>
+            <a:stCxn id="62" idx="2"/>
+          </p:cNvCxnSpPr>
+          <p:nvPr/>
+        </p:nvCxnSpPr>
+        <p:spPr>
+          <a:xfrm rot="5400000">
+            <a:off x="3043839" y="2451764"/>
+            <a:ext cx="152193" cy="2280565"/>
+          </a:xfrm>
+          <a:prstGeom prst="bentConnector2">
+            <a:avLst/>
+          </a:prstGeom>
+          <a:ln w="19050">
+            <a:solidFill>
+              <a:schemeClr val="tx1"/>
+            </a:solidFill>
+          </a:ln>
+        </p:spPr>
+        <p:style>
+          <a:lnRef idx="1">
+            <a:schemeClr val="accent1"/>
+          </a:lnRef>
+          <a:fillRef idx="0">
+            <a:schemeClr val="accent1"/>
+          </a:fillRef>
+          <a:effectRef idx="0">
+            <a:schemeClr val="accent1"/>
+          </a:effectRef>
+          <a:fontRef idx="minor">
+            <a:schemeClr val="tx1"/>
+          </a:fontRef>
+        </p:style>
+      </p:cxnSp>
+      <p:cxnSp>
+        <p:nvCxnSpPr>
+          <p:cNvPr id="142" name="꺾인 연결선 141"/>
+          <p:cNvCxnSpPr>
+            <a:stCxn id="2" idx="1"/>
+            <a:endCxn id="96" idx="3"/>
+          </p:cNvCxnSpPr>
+          <p:nvPr/>
+        </p:nvCxnSpPr>
+        <p:spPr>
+          <a:xfrm rot="10800000" flipV="1">
+            <a:off x="5530248" y="3764551"/>
+            <a:ext cx="1216068" cy="1"/>
+          </a:xfrm>
+          <a:prstGeom prst="bentConnector3">
+            <a:avLst>
+              <a:gd name="adj1" fmla="val 50000"/>
+            </a:avLst>
+          </a:prstGeom>
+          <a:ln w="19050">
+            <a:solidFill>
+              <a:schemeClr val="tx1"/>
+            </a:solidFill>
+            <a:headEnd type="arrow"/>
+          </a:ln>
+        </p:spPr>
+        <p:style>
+          <a:lnRef idx="1">
+            <a:schemeClr val="accent1"/>
+          </a:lnRef>
+          <a:fillRef idx="0">
+            <a:schemeClr val="accent1"/>
+          </a:fillRef>
+          <a:effectRef idx="0">
+            <a:schemeClr val="accent1"/>
+          </a:effectRef>
+          <a:fontRef idx="minor">
+            <a:schemeClr val="tx1"/>
+          </a:fontRef>
+        </p:style>
+      </p:cxnSp>
+      <p:cxnSp>
+        <p:nvCxnSpPr>
+          <p:cNvPr id="145" name="꺾인 연결선 144"/>
+          <p:cNvCxnSpPr>
+            <a:stCxn id="77" idx="4"/>
+            <a:endCxn id="100" idx="1"/>
+          </p:cNvCxnSpPr>
+          <p:nvPr/>
+        </p:nvCxnSpPr>
+        <p:spPr>
+          <a:xfrm flipV="1">
+            <a:off x="2765673" y="1266510"/>
+            <a:ext cx="3521915" cy="1"/>
+          </a:xfrm>
+          <a:prstGeom prst="bentConnector3">
+            <a:avLst>
+              <a:gd name="adj1" fmla="val 50000"/>
+            </a:avLst>
+          </a:prstGeom>
+          <a:ln w="19050">
+            <a:solidFill>
+              <a:schemeClr val="tx1"/>
+            </a:solidFill>
+            <a:headEnd type="none"/>
+          </a:ln>
+        </p:spPr>
+        <p:style>
+          <a:lnRef idx="1">
+            <a:schemeClr val="accent1"/>
+          </a:lnRef>
+          <a:fillRef idx="0">
+            <a:schemeClr val="accent1"/>
+          </a:fillRef>
+          <a:effectRef idx="0">
+            <a:schemeClr val="accent1"/>
+          </a:effectRef>
+          <a:fontRef idx="minor">
+            <a:schemeClr val="tx1"/>
+          </a:fontRef>
+        </p:style>
+      </p:cxnSp>
+      <p:cxnSp>
+        <p:nvCxnSpPr>
+          <p:cNvPr id="150" name="꺾인 연결선 149"/>
+          <p:cNvCxnSpPr>
+            <a:stCxn id="100" idx="2"/>
+            <a:endCxn id="2" idx="0"/>
+          </p:cNvCxnSpPr>
+          <p:nvPr/>
+        </p:nvCxnSpPr>
+        <p:spPr>
+          <a:xfrm rot="16200000" flipH="1">
+            <a:off x="6979307" y="2742726"/>
+            <a:ext cx="1048461" cy="1"/>
+          </a:xfrm>
+          <a:prstGeom prst="bentConnector3">
+            <a:avLst>
+              <a:gd name="adj1" fmla="val 50000"/>
+            </a:avLst>
+          </a:prstGeom>
+          <a:ln w="19050">
+            <a:solidFill>
+              <a:schemeClr val="tx1"/>
+            </a:solidFill>
+            <a:headEnd type="arrow"/>
+          </a:ln>
+        </p:spPr>
+        <p:style>
+          <a:lnRef idx="1">
+            <a:schemeClr val="accent1"/>
+          </a:lnRef>
+          <a:fillRef idx="0">
+            <a:schemeClr val="accent1"/>
+          </a:fillRef>
+          <a:effectRef idx="0">
+            <a:schemeClr val="accent1"/>
+          </a:effectRef>
+          <a:fontRef idx="minor">
+            <a:schemeClr val="tx1"/>
+          </a:fontRef>
+        </p:style>
+      </p:cxnSp>
+      <p:sp>
+        <p:nvSpPr>
+          <p:cNvPr id="35" name="TextBox 34"/>
+          <p:cNvSpPr txBox="1"/>
+          <p:nvPr/>
+        </p:nvSpPr>
+        <p:spPr>
+          <a:xfrm>
+            <a:off x="6970280" y="3734609"/>
+            <a:ext cx="809837" cy="461665"/>
+          </a:xfrm>
+          <a:prstGeom prst="rect">
+            <a:avLst/>
+          </a:prstGeom>
+          <a:noFill/>
+        </p:spPr>
+        <p:txBody>
+          <a:bodyPr wrap="none" rtlCol="0">
+            <a:spAutoFit/>
+          </a:bodyPr>
+          <a:lstStyle/>
+          <a:p>
+            <a:pPr algn="ctr"/>
+            <a:r>
+              <a:rPr lang="en-US" altLang="ko-KR" sz="1200" b="1" smtClean="0">
+                <a:solidFill>
+                  <a:srgbClr val="0000FF"/>
+                </a:solidFill>
+                <a:latin typeface="Noto Sans Light" panose="020B0402040504020204" pitchFamily="34" charset="0"/>
+                <a:ea typeface="Noto Sans KR Medium" panose="020B0600000000000000" pitchFamily="34" charset="-127"/>
+                <a:cs typeface="Noto Sans Light" panose="020B0402040504020204" pitchFamily="34" charset="0"/>
+              </a:rPr>
+              <a:t>Kafka</a:t>
+            </a:r>
+          </a:p>
+          <a:p>
+            <a:pPr algn="ctr"/>
+            <a:r>
+              <a:rPr lang="en-US" altLang="ko-KR" sz="1200" b="1" smtClean="0">
+                <a:solidFill>
+                  <a:srgbClr val="0000FF"/>
+                </a:solidFill>
+                <a:latin typeface="Noto Sans Light" panose="020B0402040504020204" pitchFamily="34" charset="0"/>
+                <a:ea typeface="Noto Sans KR Medium" panose="020B0600000000000000" pitchFamily="34" charset="-127"/>
+                <a:cs typeface="Noto Sans Light" panose="020B0402040504020204" pitchFamily="34" charset="0"/>
+              </a:rPr>
+              <a:t>AWS EC2</a:t>
+            </a:r>
+            <a:endParaRPr lang="ko-KR" altLang="en-US" sz="1200" b="1">
+              <a:solidFill>
+                <a:srgbClr val="0000FF"/>
+              </a:solidFill>
+              <a:latin typeface="Noto Sans Light" panose="020B0402040504020204" pitchFamily="34" charset="0"/>
+              <a:ea typeface="Noto Sans KR Medium" panose="020B0600000000000000" pitchFamily="34" charset="-127"/>
+              <a:cs typeface="Noto Sans Light" panose="020B0402040504020204" pitchFamily="34" charset="0"/>
+            </a:endParaRPr>
+          </a:p>
+        </p:txBody>
+      </p:sp>
+      <p:sp>
+        <p:nvSpPr>
+          <p:cNvPr id="36" name="TextBox 35"/>
+          <p:cNvSpPr txBox="1"/>
+          <p:nvPr/>
+        </p:nvSpPr>
+        <p:spPr>
+          <a:xfrm>
+            <a:off x="4628418" y="5172208"/>
+            <a:ext cx="978153" cy="276999"/>
+          </a:xfrm>
+          <a:prstGeom prst="rect">
+            <a:avLst/>
+          </a:prstGeom>
+          <a:noFill/>
+        </p:spPr>
+        <p:txBody>
+          <a:bodyPr wrap="none" rtlCol="0">
+            <a:spAutoFit/>
+          </a:bodyPr>
+          <a:lstStyle/>
+          <a:p>
+            <a:pPr algn="ctr"/>
+            <a:r>
+              <a:rPr lang="en-US" altLang="ko-KR" sz="1200" b="1" smtClean="0">
+                <a:latin typeface="Noto Sans Light" panose="020B0402040504020204" pitchFamily="34" charset="0"/>
+                <a:ea typeface="Noto Sans Light" panose="020B0402040504020204" pitchFamily="34" charset="0"/>
+                <a:cs typeface="Noto Sans Light" panose="020B0402040504020204" pitchFamily="34" charset="0"/>
+              </a:rPr>
+              <a:t>kubernetes</a:t>
+            </a:r>
+            <a:endParaRPr lang="ko-KR" altLang="en-US" sz="1200" b="1">
+              <a:latin typeface="Noto Sans Light" panose="020B0402040504020204" pitchFamily="34" charset="0"/>
+              <a:ea typeface="Noto Sans KR Medium" panose="020B0600000000000000" pitchFamily="34" charset="-127"/>
+              <a:cs typeface="Noto Sans Light" panose="020B0402040504020204" pitchFamily="34" charset="0"/>
+            </a:endParaRPr>
+          </a:p>
+        </p:txBody>
+      </p:sp>
+      <p:sp>
+        <p:nvSpPr>
+          <p:cNvPr id="38" name="TextBox 37"/>
+          <p:cNvSpPr txBox="1"/>
+          <p:nvPr/>
+        </p:nvSpPr>
+        <p:spPr>
+          <a:xfrm>
+            <a:off x="1432071" y="3154901"/>
+            <a:ext cx="1104790" cy="230832"/>
+          </a:xfrm>
+          <a:prstGeom prst="rect">
+            <a:avLst/>
+          </a:prstGeom>
+          <a:noFill/>
+        </p:spPr>
+        <p:txBody>
+          <a:bodyPr wrap="none" rtlCol="0">
+            <a:spAutoFit/>
+          </a:bodyPr>
+          <a:lstStyle/>
+          <a:p>
+            <a:pPr algn="ctr"/>
+            <a:r>
+              <a:rPr lang="en-US" altLang="ko-KR" sz="900" b="1" smtClean="0">
+                <a:solidFill>
+                  <a:srgbClr val="0000FF"/>
+                </a:solidFill>
+                <a:latin typeface="Noto Sans Light" panose="020B0402040504020204" pitchFamily="34" charset="0"/>
+                <a:ea typeface="Noto Sans KR Medium" panose="020B0600000000000000" pitchFamily="34" charset="-127"/>
+                <a:cs typeface="Noto Sans Light" panose="020B0402040504020204" pitchFamily="34" charset="0"/>
+              </a:rPr>
+              <a:t>Docker Container</a:t>
+            </a:r>
+          </a:p>
+        </p:txBody>
+      </p:sp>
+      <p:sp>
+        <p:nvSpPr>
+          <p:cNvPr id="39" name="TextBox 38"/>
+          <p:cNvSpPr txBox="1"/>
+          <p:nvPr/>
+        </p:nvSpPr>
+        <p:spPr>
+          <a:xfrm>
+            <a:off x="3719572" y="3178080"/>
+            <a:ext cx="1104790" cy="230832"/>
+          </a:xfrm>
+          <a:prstGeom prst="rect">
+            <a:avLst/>
+          </a:prstGeom>
+          <a:noFill/>
+        </p:spPr>
+        <p:txBody>
+          <a:bodyPr wrap="none" rtlCol="0">
+            <a:spAutoFit/>
+          </a:bodyPr>
+          <a:lstStyle/>
+          <a:p>
+            <a:pPr algn="ctr"/>
+            <a:r>
+              <a:rPr lang="en-US" altLang="ko-KR" sz="900" b="1" smtClean="0">
+                <a:solidFill>
+                  <a:srgbClr val="0000FF"/>
+                </a:solidFill>
+                <a:latin typeface="Noto Sans Light" panose="020B0402040504020204" pitchFamily="34" charset="0"/>
+                <a:ea typeface="Noto Sans KR Medium" panose="020B0600000000000000" pitchFamily="34" charset="-127"/>
+                <a:cs typeface="Noto Sans Light" panose="020B0402040504020204" pitchFamily="34" charset="0"/>
+              </a:rPr>
+              <a:t>Docker Container</a:t>
+            </a:r>
+            <a:endParaRPr lang="ko-KR" altLang="en-US" sz="900" b="1">
+              <a:solidFill>
+                <a:srgbClr val="0000FF"/>
+              </a:solidFill>
+              <a:latin typeface="Noto Sans Light" panose="020B0402040504020204" pitchFamily="34" charset="0"/>
+              <a:ea typeface="Noto Sans KR Medium" panose="020B0600000000000000" pitchFamily="34" charset="-127"/>
+              <a:cs typeface="Noto Sans Light" panose="020B0402040504020204" pitchFamily="34" charset="0"/>
+            </a:endParaRPr>
+          </a:p>
+        </p:txBody>
+      </p:sp>
+      <p:sp>
+        <p:nvSpPr>
+          <p:cNvPr id="41" name="TextBox 40"/>
+          <p:cNvSpPr txBox="1"/>
+          <p:nvPr/>
+        </p:nvSpPr>
+        <p:spPr>
+          <a:xfrm>
+            <a:off x="871481" y="4576233"/>
+            <a:ext cx="1104790" cy="230832"/>
+          </a:xfrm>
+          <a:prstGeom prst="rect">
+            <a:avLst/>
+          </a:prstGeom>
+          <a:noFill/>
+        </p:spPr>
+        <p:txBody>
+          <a:bodyPr wrap="none" rtlCol="0">
+            <a:spAutoFit/>
+          </a:bodyPr>
+          <a:lstStyle/>
+          <a:p>
+            <a:pPr algn="ctr"/>
+            <a:r>
+              <a:rPr lang="en-US" altLang="ko-KR" sz="900" b="1" smtClean="0">
+                <a:solidFill>
+                  <a:srgbClr val="0000FF"/>
+                </a:solidFill>
+                <a:latin typeface="Noto Sans Light" panose="020B0402040504020204" pitchFamily="34" charset="0"/>
+                <a:ea typeface="Noto Sans KR Medium" panose="020B0600000000000000" pitchFamily="34" charset="-127"/>
+                <a:cs typeface="Noto Sans Light" panose="020B0402040504020204" pitchFamily="34" charset="0"/>
+              </a:rPr>
+              <a:t>Docker Container</a:t>
+            </a:r>
+            <a:endParaRPr lang="ko-KR" altLang="en-US" sz="900" b="1">
+              <a:solidFill>
+                <a:srgbClr val="0000FF"/>
+              </a:solidFill>
+              <a:latin typeface="Noto Sans Light" panose="020B0402040504020204" pitchFamily="34" charset="0"/>
+              <a:ea typeface="Noto Sans KR Medium" panose="020B0600000000000000" pitchFamily="34" charset="-127"/>
+              <a:cs typeface="Noto Sans Light" panose="020B0402040504020204" pitchFamily="34" charset="0"/>
+            </a:endParaRPr>
+          </a:p>
+        </p:txBody>
+      </p:sp>
+      <p:sp>
+        <p:nvSpPr>
+          <p:cNvPr id="42" name="TextBox 41"/>
+          <p:cNvSpPr txBox="1"/>
+          <p:nvPr/>
+        </p:nvSpPr>
+        <p:spPr>
+          <a:xfrm>
+            <a:off x="2146889" y="4582608"/>
+            <a:ext cx="1104790" cy="230832"/>
+          </a:xfrm>
+          <a:prstGeom prst="rect">
+            <a:avLst/>
+          </a:prstGeom>
+          <a:noFill/>
+        </p:spPr>
+        <p:txBody>
+          <a:bodyPr wrap="none" rtlCol="0">
+            <a:spAutoFit/>
+          </a:bodyPr>
+          <a:lstStyle/>
+          <a:p>
+            <a:pPr algn="ctr"/>
+            <a:r>
+              <a:rPr lang="en-US" altLang="ko-KR" sz="900" b="1" smtClean="0">
+                <a:solidFill>
+                  <a:srgbClr val="0000FF"/>
+                </a:solidFill>
+                <a:latin typeface="Noto Sans Light" panose="020B0402040504020204" pitchFamily="34" charset="0"/>
+                <a:ea typeface="Noto Sans KR Medium" panose="020B0600000000000000" pitchFamily="34" charset="-127"/>
+                <a:cs typeface="Noto Sans Light" panose="020B0402040504020204" pitchFamily="34" charset="0"/>
+              </a:rPr>
+              <a:t>Docker Container</a:t>
+            </a:r>
+            <a:endParaRPr lang="ko-KR" altLang="en-US" sz="900" b="1">
+              <a:solidFill>
+                <a:srgbClr val="0000FF"/>
+              </a:solidFill>
+              <a:latin typeface="Noto Sans Light" panose="020B0402040504020204" pitchFamily="34" charset="0"/>
+              <a:ea typeface="Noto Sans KR Medium" panose="020B0600000000000000" pitchFamily="34" charset="-127"/>
+              <a:cs typeface="Noto Sans Light" panose="020B0402040504020204" pitchFamily="34" charset="0"/>
+            </a:endParaRPr>
+          </a:p>
+        </p:txBody>
+      </p:sp>
+      <p:sp>
+        <p:nvSpPr>
+          <p:cNvPr id="4" name="TextBox 3"/>
+          <p:cNvSpPr txBox="1"/>
+          <p:nvPr/>
+        </p:nvSpPr>
+        <p:spPr>
+          <a:xfrm>
+            <a:off x="6042447" y="4560244"/>
+            <a:ext cx="2076209" cy="1477328"/>
+          </a:xfrm>
+          <a:prstGeom prst="rect">
+            <a:avLst/>
+          </a:prstGeom>
+          <a:noFill/>
+        </p:spPr>
+        <p:txBody>
+          <a:bodyPr wrap="none" rtlCol="0">
+            <a:spAutoFit/>
+          </a:bodyPr>
+          <a:lstStyle/>
+          <a:p>
+            <a:r>
+              <a:rPr lang="en-US" altLang="ko-KR" smtClean="0">
+                <a:latin typeface="Noto Sans" panose="020B0502040504020204" pitchFamily="34" charset="0"/>
+                <a:ea typeface="Noto Sans" panose="020B0502040504020204" pitchFamily="34" charset="0"/>
+                <a:cs typeface="Noto Sans" panose="020B0502040504020204" pitchFamily="34" charset="0"/>
+              </a:rPr>
+              <a:t>※ Port</a:t>
+            </a:r>
+          </a:p>
+          <a:p>
+            <a:r>
+              <a:rPr lang="en-US" altLang="ko-KR" smtClean="0">
+                <a:latin typeface="Noto Sans" panose="020B0502040504020204" pitchFamily="34" charset="0"/>
+                <a:ea typeface="Noto Sans" panose="020B0502040504020204" pitchFamily="34" charset="0"/>
+                <a:cs typeface="Noto Sans" panose="020B0502040504020204" pitchFamily="34" charset="0"/>
+              </a:rPr>
+              <a:t>- Manager1: 3500</a:t>
+            </a:r>
+          </a:p>
+          <a:p>
+            <a:r>
+              <a:rPr lang="en-US" altLang="ko-KR" smtClean="0">
+                <a:latin typeface="Noto Sans" panose="020B0502040504020204" pitchFamily="34" charset="0"/>
+                <a:ea typeface="Noto Sans" panose="020B0502040504020204" pitchFamily="34" charset="0"/>
+                <a:cs typeface="Noto Sans" panose="020B0502040504020204" pitchFamily="34" charset="0"/>
+              </a:rPr>
+              <a:t>- Manager2: 3501</a:t>
+            </a:r>
+          </a:p>
+          <a:p>
+            <a:r>
+              <a:rPr lang="en-US" altLang="ko-KR" smtClean="0">
+                <a:latin typeface="Noto Sans" panose="020B0502040504020204" pitchFamily="34" charset="0"/>
+                <a:ea typeface="Noto Sans" panose="020B0502040504020204" pitchFamily="34" charset="0"/>
+                <a:cs typeface="Noto Sans" panose="020B0502040504020204" pitchFamily="34" charset="0"/>
+              </a:rPr>
+              <a:t>- Worker1: 3510</a:t>
+            </a:r>
+          </a:p>
+          <a:p>
+            <a:r>
+              <a:rPr lang="en-US" altLang="ko-KR" smtClean="0">
+                <a:latin typeface="Noto Sans" panose="020B0502040504020204" pitchFamily="34" charset="0"/>
+                <a:ea typeface="Noto Sans" panose="020B0502040504020204" pitchFamily="34" charset="0"/>
+                <a:cs typeface="Noto Sans" panose="020B0502040504020204" pitchFamily="34" charset="0"/>
+              </a:rPr>
+              <a:t>- Worker2: 3511</a:t>
+            </a:r>
+            <a:endParaRPr lang="ko-KR" altLang="en-US">
+              <a:latin typeface="Noto Sans" panose="020B0502040504020204" pitchFamily="34" charset="0"/>
+              <a:cs typeface="Noto Sans" panose="020B0502040504020204" pitchFamily="34" charset="0"/>
+            </a:endParaRPr>
+          </a:p>
+        </p:txBody>
+      </p:sp>
+    </p:spTree>
+    <p:extLst>
+      <p:ext uri="{BB962C8B-B14F-4D97-AF65-F5344CB8AC3E}">
+        <p14:creationId xmlns:p14="http://schemas.microsoft.com/office/powerpoint/2010/main" val="1578028756"/>
+      </p:ext>
+    </p:extLst>
+  </p:cSld>
+  <p:clrMapOvr>
+    <a:masterClrMapping/>
+  </p:clrMapOvr>
+</p:sld>
+</file>
+
+<file path=ppt/slides/slide6.xml><?xml version="1.0" encoding="utf-8"?>
+<p:sld xmlns:a="http://schemas.openxmlformats.org/drawingml/2006/main" xmlns:r="http://schemas.openxmlformats.org/officeDocument/2006/relationships" xmlns:p="http://schemas.openxmlformats.org/presentationml/2006/main">
+  <p:cSld>
+    <p:spTree>
+      <p:nvGrpSpPr>
+        <p:cNvPr id="1" name=""/>
+        <p:cNvGrpSpPr/>
+        <p:nvPr/>
+      </p:nvGrpSpPr>
+      <p:grpSpPr>
+        <a:xfrm>
+          <a:off x="0" y="0"/>
+          <a:ext cx="0" cy="0"/>
+          <a:chOff x="0" y="0"/>
+          <a:chExt cx="0" cy="0"/>
+        </a:xfrm>
+      </p:grpSpPr>
+      <p:grpSp>
+        <p:nvGrpSpPr>
+          <p:cNvPr id="3" name="그룹 2"/>
+          <p:cNvGrpSpPr/>
+          <p:nvPr/>
+        </p:nvGrpSpPr>
+        <p:grpSpPr>
+          <a:xfrm>
+            <a:off x="4273810" y="2166190"/>
+            <a:ext cx="3640413" cy="1065316"/>
+            <a:chOff x="1297860" y="2728570"/>
+            <a:chExt cx="3640413" cy="1065316"/>
+          </a:xfrm>
+        </p:grpSpPr>
+        <p:grpSp>
+          <p:nvGrpSpPr>
+            <p:cNvPr id="1052" name="그룹 1051"/>
+            <p:cNvGrpSpPr/>
+            <p:nvPr/>
+          </p:nvGrpSpPr>
+          <p:grpSpPr>
+            <a:xfrm>
+              <a:off x="1297860" y="2791217"/>
+              <a:ext cx="1356113" cy="722844"/>
+              <a:chOff x="2121091" y="1067980"/>
+              <a:chExt cx="1356113" cy="722844"/>
+            </a:xfrm>
+          </p:grpSpPr>
+          <p:sp>
+            <p:nvSpPr>
+              <p:cNvPr id="58" name="직사각형 57"/>
+              <p:cNvSpPr/>
+              <p:nvPr/>
+            </p:nvSpPr>
+            <p:spPr>
+              <a:xfrm>
+                <a:off x="2121091" y="1067980"/>
+                <a:ext cx="1356113" cy="722844"/>
+              </a:xfrm>
+              <a:prstGeom prst="rect">
+                <a:avLst/>
+              </a:prstGeom>
+              <a:solidFill>
+                <a:srgbClr val="92D050"/>
+              </a:solidFill>
+              <a:ln w="25400">
+                <a:solidFill>
+                  <a:schemeClr val="tx1"/>
+                </a:solidFill>
+              </a:ln>
+            </p:spPr>
+            <p:style>
+              <a:lnRef idx="2">
+                <a:schemeClr val="accent1">
+                  <a:shade val="50000"/>
+                </a:schemeClr>
+              </a:lnRef>
+              <a:fillRef idx="1">
+                <a:schemeClr val="accent1"/>
+              </a:fillRef>
+              <a:effectRef idx="0">
+                <a:schemeClr val="accent1"/>
+              </a:effectRef>
+              <a:fontRef idx="minor">
+                <a:schemeClr val="lt1"/>
+              </a:fontRef>
+            </p:style>
+            <p:txBody>
+              <a:bodyPr rtlCol="0" anchor="ctr"/>
+              <a:lstStyle/>
+              <a:p>
+                <a:pPr algn="ctr"/>
+                <a:endParaRPr lang="ko-KR" altLang="en-US" sz="1200">
+                  <a:solidFill>
+                    <a:schemeClr val="tx1"/>
+                  </a:solidFill>
+                  <a:latin typeface="Noto Sans KR Medium" panose="020B0600000000000000" pitchFamily="34" charset="-127"/>
+                  <a:ea typeface="Noto Sans KR Medium" panose="020B0600000000000000" pitchFamily="34" charset="-127"/>
+                </a:endParaRPr>
+              </a:p>
+            </p:txBody>
+          </p:sp>
+          <p:sp>
+            <p:nvSpPr>
+              <p:cNvPr id="61" name="TextBox 60"/>
+              <p:cNvSpPr txBox="1"/>
+              <p:nvPr/>
+            </p:nvSpPr>
+            <p:spPr>
+              <a:xfrm>
+                <a:off x="2342355" y="1194650"/>
+                <a:ext cx="908197" cy="461665"/>
+              </a:xfrm>
+              <a:prstGeom prst="rect">
+                <a:avLst/>
+              </a:prstGeom>
+              <a:noFill/>
+            </p:spPr>
+            <p:txBody>
+              <a:bodyPr wrap="none" rtlCol="0">
+                <a:spAutoFit/>
+              </a:bodyPr>
+              <a:lstStyle/>
+              <a:p>
+                <a:r>
+                  <a:rPr lang="en-US" altLang="ko-KR" sz="1200" smtClean="0">
+                    <a:latin typeface="Noto Sans KR Medium" panose="020B0600000000000000" pitchFamily="34" charset="-127"/>
+                    <a:ea typeface="Noto Sans KR Medium" panose="020B0600000000000000" pitchFamily="34" charset="-127"/>
+                  </a:rPr>
+                  <a:t>Manager1</a:t>
+                </a:r>
+              </a:p>
+              <a:p>
+                <a:endParaRPr lang="en-US" altLang="ko-KR" sz="1200" smtClean="0">
+                  <a:latin typeface="Noto Sans KR Medium" panose="020B0600000000000000" pitchFamily="34" charset="-127"/>
+                  <a:ea typeface="Noto Sans KR Medium" panose="020B0600000000000000" pitchFamily="34" charset="-127"/>
+                </a:endParaRPr>
+              </a:p>
+            </p:txBody>
+          </p:sp>
+        </p:grpSp>
+        <p:grpSp>
+          <p:nvGrpSpPr>
+            <p:cNvPr id="59" name="그룹 58"/>
+            <p:cNvGrpSpPr/>
+            <p:nvPr/>
+          </p:nvGrpSpPr>
+          <p:grpSpPr>
+            <a:xfrm>
+              <a:off x="3582160" y="2793106"/>
+              <a:ext cx="1356113" cy="722844"/>
+              <a:chOff x="2121091" y="1067980"/>
+              <a:chExt cx="1356113" cy="722844"/>
+            </a:xfrm>
+          </p:grpSpPr>
+          <p:sp>
+            <p:nvSpPr>
+              <p:cNvPr id="62" name="직사각형 61"/>
+              <p:cNvSpPr/>
+              <p:nvPr/>
+            </p:nvSpPr>
+            <p:spPr>
+              <a:xfrm>
+                <a:off x="2121091" y="1067980"/>
+                <a:ext cx="1356113" cy="722844"/>
+              </a:xfrm>
+              <a:prstGeom prst="rect">
+                <a:avLst/>
+              </a:prstGeom>
+              <a:solidFill>
+                <a:srgbClr val="00B0F0"/>
+              </a:solidFill>
+              <a:ln w="25400">
+                <a:solidFill>
+                  <a:schemeClr val="tx1"/>
+                </a:solidFill>
+              </a:ln>
+            </p:spPr>
+            <p:style>
+              <a:lnRef idx="2">
+                <a:schemeClr val="accent1">
+                  <a:shade val="50000"/>
+                </a:schemeClr>
+              </a:lnRef>
+              <a:fillRef idx="1">
+                <a:schemeClr val="accent1"/>
+              </a:fillRef>
+              <a:effectRef idx="0">
+                <a:schemeClr val="accent1"/>
+              </a:effectRef>
+              <a:fontRef idx="minor">
+                <a:schemeClr val="lt1"/>
+              </a:fontRef>
+            </p:style>
+            <p:txBody>
+              <a:bodyPr rtlCol="0" anchor="ctr"/>
+              <a:lstStyle/>
+              <a:p>
+                <a:pPr algn="ctr"/>
+                <a:endParaRPr lang="ko-KR" altLang="en-US" sz="1200">
+                  <a:solidFill>
+                    <a:schemeClr val="tx1"/>
+                  </a:solidFill>
+                  <a:latin typeface="Noto Sans KR Medium" panose="020B0600000000000000" pitchFamily="34" charset="-127"/>
+                  <a:ea typeface="Noto Sans KR Medium" panose="020B0600000000000000" pitchFamily="34" charset="-127"/>
+                </a:endParaRPr>
+              </a:p>
+            </p:txBody>
+          </p:sp>
+          <p:sp>
+            <p:nvSpPr>
+              <p:cNvPr id="63" name="TextBox 62"/>
+              <p:cNvSpPr txBox="1"/>
+              <p:nvPr/>
+            </p:nvSpPr>
+            <p:spPr>
+              <a:xfrm>
+                <a:off x="2342355" y="1186629"/>
+                <a:ext cx="908197" cy="461665"/>
+              </a:xfrm>
+              <a:prstGeom prst="rect">
+                <a:avLst/>
+              </a:prstGeom>
+              <a:noFill/>
+            </p:spPr>
+            <p:txBody>
+              <a:bodyPr wrap="none" rtlCol="0">
+                <a:spAutoFit/>
+              </a:bodyPr>
+              <a:lstStyle/>
+              <a:p>
+                <a:r>
+                  <a:rPr lang="en-US" altLang="ko-KR" sz="1200" smtClean="0">
+                    <a:latin typeface="Noto Sans KR Medium" panose="020B0600000000000000" pitchFamily="34" charset="-127"/>
+                    <a:ea typeface="Noto Sans KR Medium" panose="020B0600000000000000" pitchFamily="34" charset="-127"/>
+                  </a:rPr>
+                  <a:t>Manager2</a:t>
+                </a:r>
+              </a:p>
+              <a:p>
+                <a:endParaRPr lang="ko-KR" altLang="en-US" sz="1200">
+                  <a:latin typeface="Noto Sans KR Medium" panose="020B0600000000000000" pitchFamily="34" charset="-127"/>
+                  <a:ea typeface="Noto Sans KR Medium" panose="020B0600000000000000" pitchFamily="34" charset="-127"/>
+                </a:endParaRPr>
+              </a:p>
+            </p:txBody>
+          </p:sp>
+        </p:grpSp>
+        <p:cxnSp>
+          <p:nvCxnSpPr>
+            <p:cNvPr id="90" name="직선 연결선 89"/>
+            <p:cNvCxnSpPr>
+              <a:stCxn id="62" idx="1"/>
+              <a:endCxn id="58" idx="3"/>
+            </p:cNvCxnSpPr>
+            <p:nvPr/>
+          </p:nvCxnSpPr>
+          <p:spPr>
+            <a:xfrm flipH="1" flipV="1">
+              <a:off x="2653973" y="3152639"/>
+              <a:ext cx="928187" cy="1889"/>
+            </a:xfrm>
+            <a:prstGeom prst="line">
+              <a:avLst/>
+            </a:prstGeom>
+            <a:ln w="19050">
+              <a:solidFill>
+                <a:schemeClr val="tx1"/>
+              </a:solidFill>
+              <a:tailEnd type="arrow"/>
+            </a:ln>
+          </p:spPr>
+          <p:style>
+            <a:lnRef idx="1">
+              <a:schemeClr val="accent1"/>
+            </a:lnRef>
+            <a:fillRef idx="0">
+              <a:schemeClr val="accent1"/>
+            </a:fillRef>
+            <a:effectRef idx="0">
+              <a:schemeClr val="accent1"/>
+            </a:effectRef>
+            <a:fontRef idx="minor">
+              <a:schemeClr val="tx1"/>
+            </a:fontRef>
+          </p:style>
+        </p:cxnSp>
+        <p:sp>
+          <p:nvSpPr>
+            <p:cNvPr id="13" name="TextBox 12"/>
+            <p:cNvSpPr txBox="1"/>
+            <p:nvPr/>
+          </p:nvSpPr>
+          <p:spPr>
+            <a:xfrm>
+              <a:off x="2839455" y="2728570"/>
+              <a:ext cx="644728" cy="461665"/>
+            </a:xfrm>
+            <a:prstGeom prst="rect">
+              <a:avLst/>
+            </a:prstGeom>
+            <a:noFill/>
+          </p:spPr>
+          <p:txBody>
+            <a:bodyPr wrap="none" rtlCol="0">
+              <a:spAutoFit/>
+            </a:bodyPr>
+            <a:lstStyle/>
+            <a:p>
+              <a:pPr algn="ctr"/>
+              <a:r>
+                <a:rPr lang="en-US" altLang="ko-KR" sz="1200" b="1" smtClean="0">
+                  <a:latin typeface="Noto Sans Light" panose="020B0402040504020204" pitchFamily="34" charset="0"/>
+                  <a:ea typeface="Noto Sans Light" panose="020B0402040504020204" pitchFamily="34" charset="0"/>
+                  <a:cs typeface="Noto Sans Light" panose="020B0402040504020204" pitchFamily="34" charset="0"/>
+                </a:rPr>
+                <a:t>Health</a:t>
+              </a:r>
+            </a:p>
+            <a:p>
+              <a:pPr algn="ctr"/>
+              <a:r>
+                <a:rPr lang="en-US" altLang="ko-KR" sz="1200" b="1" smtClean="0">
+                  <a:latin typeface="Noto Sans Light" panose="020B0402040504020204" pitchFamily="34" charset="0"/>
+                  <a:ea typeface="Noto Sans Light" panose="020B0402040504020204" pitchFamily="34" charset="0"/>
+                  <a:cs typeface="Noto Sans Light" panose="020B0402040504020204" pitchFamily="34" charset="0"/>
+                </a:rPr>
+                <a:t>Check</a:t>
+              </a:r>
+              <a:endParaRPr lang="ko-KR" altLang="en-US" sz="1200" b="1">
+                <a:latin typeface="Noto Sans Light" panose="020B0402040504020204" pitchFamily="34" charset="0"/>
+                <a:ea typeface="Noto Sans KR Medium" panose="020B0600000000000000" pitchFamily="34" charset="-127"/>
+                <a:cs typeface="Noto Sans Light" panose="020B0402040504020204" pitchFamily="34" charset="0"/>
+              </a:endParaRPr>
+            </a:p>
+          </p:txBody>
+        </p:sp>
+        <p:sp>
+          <p:nvSpPr>
+            <p:cNvPr id="91" name="TextBox 90"/>
+            <p:cNvSpPr txBox="1"/>
+            <p:nvPr/>
+          </p:nvSpPr>
+          <p:spPr>
+            <a:xfrm>
+              <a:off x="3661062" y="3516887"/>
+              <a:ext cx="1221809" cy="276999"/>
+            </a:xfrm>
+            <a:prstGeom prst="rect">
+              <a:avLst/>
+            </a:prstGeom>
+            <a:noFill/>
+          </p:spPr>
+          <p:txBody>
+            <a:bodyPr wrap="none" rtlCol="0">
+              <a:spAutoFit/>
+            </a:bodyPr>
+            <a:lstStyle/>
+            <a:p>
+              <a:r>
+                <a:rPr lang="en-US" altLang="ko-KR" sz="1200" b="1" smtClean="0">
+                  <a:latin typeface="Noto Sans Light" panose="020B0402040504020204" pitchFamily="34" charset="0"/>
+                  <a:ea typeface="Noto Sans Light" panose="020B0402040504020204" pitchFamily="34" charset="0"/>
+                  <a:cs typeface="Noto Sans Light" panose="020B0402040504020204" pitchFamily="34" charset="0"/>
+                </a:rPr>
+                <a:t>Active-StandBy</a:t>
+              </a:r>
+              <a:endParaRPr lang="ko-KR" altLang="en-US" sz="1200" b="1">
+                <a:latin typeface="Noto Sans Light" panose="020B0402040504020204" pitchFamily="34" charset="0"/>
+                <a:ea typeface="Noto Sans KR Medium" panose="020B0600000000000000" pitchFamily="34" charset="-127"/>
+                <a:cs typeface="Noto Sans Light" panose="020B0402040504020204" pitchFamily="34" charset="0"/>
+              </a:endParaRPr>
+            </a:p>
+          </p:txBody>
+        </p:sp>
+        <p:sp>
+          <p:nvSpPr>
+            <p:cNvPr id="38" name="TextBox 37"/>
+            <p:cNvSpPr txBox="1"/>
+            <p:nvPr/>
+          </p:nvSpPr>
+          <p:spPr>
+            <a:xfrm>
+              <a:off x="1432071" y="3154901"/>
+              <a:ext cx="1104790" cy="230832"/>
+            </a:xfrm>
+            <a:prstGeom prst="rect">
+              <a:avLst/>
+            </a:prstGeom>
+            <a:noFill/>
+          </p:spPr>
+          <p:txBody>
+            <a:bodyPr wrap="none" rtlCol="0">
+              <a:spAutoFit/>
+            </a:bodyPr>
+            <a:lstStyle/>
+            <a:p>
+              <a:pPr algn="ctr"/>
+              <a:r>
+                <a:rPr lang="en-US" altLang="ko-KR" sz="900" b="1" smtClean="0">
+                  <a:solidFill>
+                    <a:srgbClr val="0000FF"/>
+                  </a:solidFill>
+                  <a:latin typeface="Noto Sans Light" panose="020B0402040504020204" pitchFamily="34" charset="0"/>
+                  <a:ea typeface="Noto Sans KR Medium" panose="020B0600000000000000" pitchFamily="34" charset="-127"/>
+                  <a:cs typeface="Noto Sans Light" panose="020B0402040504020204" pitchFamily="34" charset="0"/>
+                </a:rPr>
+                <a:t>Docker Container</a:t>
+              </a:r>
+            </a:p>
+          </p:txBody>
+        </p:sp>
+        <p:sp>
+          <p:nvSpPr>
+            <p:cNvPr id="39" name="TextBox 38"/>
+            <p:cNvSpPr txBox="1"/>
+            <p:nvPr/>
+          </p:nvSpPr>
+          <p:spPr>
+            <a:xfrm>
+              <a:off x="3719572" y="3178080"/>
+              <a:ext cx="1104790" cy="230832"/>
+            </a:xfrm>
+            <a:prstGeom prst="rect">
+              <a:avLst/>
+            </a:prstGeom>
+            <a:noFill/>
+          </p:spPr>
+          <p:txBody>
+            <a:bodyPr wrap="none" rtlCol="0">
+              <a:spAutoFit/>
+            </a:bodyPr>
+            <a:lstStyle/>
+            <a:p>
+              <a:pPr algn="ctr"/>
+              <a:r>
+                <a:rPr lang="en-US" altLang="ko-KR" sz="900" b="1" smtClean="0">
+                  <a:solidFill>
+                    <a:srgbClr val="0000FF"/>
+                  </a:solidFill>
+                  <a:latin typeface="Noto Sans Light" panose="020B0402040504020204" pitchFamily="34" charset="0"/>
+                  <a:ea typeface="Noto Sans KR Medium" panose="020B0600000000000000" pitchFamily="34" charset="-127"/>
+                  <a:cs typeface="Noto Sans Light" panose="020B0402040504020204" pitchFamily="34" charset="0"/>
+                </a:rPr>
+                <a:t>Docker Container</a:t>
+              </a:r>
+              <a:endParaRPr lang="ko-KR" altLang="en-US" sz="900" b="1">
+                <a:solidFill>
+                  <a:srgbClr val="0000FF"/>
+                </a:solidFill>
+                <a:latin typeface="Noto Sans Light" panose="020B0402040504020204" pitchFamily="34" charset="0"/>
+                <a:ea typeface="Noto Sans KR Medium" panose="020B0600000000000000" pitchFamily="34" charset="-127"/>
+                <a:cs typeface="Noto Sans Light" panose="020B0402040504020204" pitchFamily="34" charset="0"/>
+              </a:endParaRPr>
+            </a:p>
+          </p:txBody>
+        </p:sp>
+      </p:grpSp>
+    </p:spTree>
+    <p:extLst>
+      <p:ext uri="{BB962C8B-B14F-4D97-AF65-F5344CB8AC3E}">
+        <p14:creationId xmlns:p14="http://schemas.microsoft.com/office/powerpoint/2010/main" val="3153529148"/>
+      </p:ext>
+    </p:extLst>
+  </p:cSld>
+  <p:clrMapOvr>
+    <a:masterClrMapping/>
+  </p:clrMapOvr>
+</p:sld>
+</file>
+
+<file path=ppt/slides/slide7.xml><?xml version="1.0" encoding="utf-8"?>
+<p:sld xmlns:a="http://schemas.openxmlformats.org/drawingml/2006/main" xmlns:r="http://schemas.openxmlformats.org/officeDocument/2006/relationships" xmlns:p="http://schemas.openxmlformats.org/presentationml/2006/main">
+  <p:cSld>
+    <p:spTree>
+      <p:nvGrpSpPr>
+        <p:cNvPr id="1" name=""/>
+        <p:cNvGrpSpPr/>
+        <p:nvPr/>
+      </p:nvGrpSpPr>
+      <p:grpSpPr>
+        <a:xfrm>
+          <a:off x="0" y="0"/>
+          <a:ext cx="0" cy="0"/>
+          <a:chOff x="0" y="0"/>
+          <a:chExt cx="0" cy="0"/>
+        </a:xfrm>
+      </p:grpSpPr>
       <p:pic>
         <p:nvPicPr>
           <p:cNvPr id="5" name="그림 4"/>
